--- a/MTK DL Lab3 _ a LSTM Cell for Image Captioning(oral 補充) .pptx
+++ b/MTK DL Lab3 _ a LSTM Cell for Image Captioning(oral 補充) .pptx
@@ -23,22 +23,23 @@
     <p:sldId id="267" r:id="rId17"/>
     <p:sldId id="268" r:id="rId18"/>
     <p:sldId id="269" r:id="rId19"/>
+    <p:sldId id="270" r:id="rId20"/>
   </p:sldIdLst>
   <p:sldSz cy="6858000" cx="12192000"/>
   <p:notesSz cx="6858000" cy="9144000"/>
   <p:embeddedFontLst>
     <p:embeddedFont>
       <p:font typeface="Libre Franklin"/>
-      <p:regular r:id="rId20"/>
-      <p:bold r:id="rId21"/>
-      <p:italic r:id="rId22"/>
-      <p:boldItalic r:id="rId23"/>
+      <p:regular r:id="rId21"/>
+      <p:bold r:id="rId22"/>
+      <p:italic r:id="rId23"/>
+      <p:boldItalic r:id="rId24"/>
     </p:embeddedFont>
     <p:embeddedFont>
       <p:font typeface="Libre Baskerville"/>
-      <p:regular r:id="rId24"/>
-      <p:bold r:id="rId25"/>
-      <p:italic r:id="rId26"/>
+      <p:regular r:id="rId25"/>
+      <p:bold r:id="rId26"/>
+      <p:italic r:id="rId27"/>
     </p:embeddedFont>
   </p:embeddedFontLst>
   <p:defaultTextStyle>
@@ -1617,7 +1618,7 @@
       </p:grpSpPr>
       <p:sp>
         <p:nvSpPr>
-          <p:cNvPr id="293" name="Google Shape;293;g6252a136c8_0_96:notes"/>
+          <p:cNvPr id="293" name="Google Shape;293;g6252a136c8_0_86:notes"/>
           <p:cNvSpPr/>
           <p:nvPr>
             <p:ph idx="2" type="sldImg"/>
@@ -1652,7 +1653,7 @@
       </p:sp>
       <p:sp>
         <p:nvSpPr>
-          <p:cNvPr id="294" name="Google Shape;294;g6252a136c8_0_96:notes"/>
+          <p:cNvPr id="294" name="Google Shape;294;g6252a136c8_0_86:notes"/>
           <p:cNvSpPr txBox="1"/>
           <p:nvPr>
             <p:ph idx="1" type="body"/>
@@ -1691,7 +1692,7 @@
       </p:sp>
       <p:sp>
         <p:nvSpPr>
-          <p:cNvPr id="295" name="Google Shape;295;g6252a136c8_0_96:notes"/>
+          <p:cNvPr id="295" name="Google Shape;295;g6252a136c8_0_86:notes"/>
           <p:cNvSpPr txBox="1"/>
           <p:nvPr>
             <p:ph idx="12" type="sldNum"/>
@@ -1760,7 +1761,7 @@
       </p:grpSpPr>
       <p:sp>
         <p:nvSpPr>
-          <p:cNvPr id="301" name="Google Shape;301;g62a1d67d5c_0_43:notes"/>
+          <p:cNvPr id="301" name="Google Shape;301;g6252a136c8_0_96:notes"/>
           <p:cNvSpPr/>
           <p:nvPr>
             <p:ph idx="2" type="sldImg"/>
@@ -1795,7 +1796,7 @@
       </p:sp>
       <p:sp>
         <p:nvSpPr>
-          <p:cNvPr id="302" name="Google Shape;302;g62a1d67d5c_0_43:notes"/>
+          <p:cNvPr id="302" name="Google Shape;302;g6252a136c8_0_96:notes"/>
           <p:cNvSpPr txBox="1"/>
           <p:nvPr>
             <p:ph idx="1" type="body"/>
@@ -1834,7 +1835,7 @@
       </p:sp>
       <p:sp>
         <p:nvSpPr>
-          <p:cNvPr id="303" name="Google Shape;303;g62a1d67d5c_0_43:notes"/>
+          <p:cNvPr id="303" name="Google Shape;303;g6252a136c8_0_96:notes"/>
           <p:cNvSpPr txBox="1"/>
           <p:nvPr>
             <p:ph idx="12" type="sldNum"/>
@@ -1903,7 +1904,7 @@
       </p:grpSpPr>
       <p:sp>
         <p:nvSpPr>
-          <p:cNvPr id="309" name="Google Shape;309;g62a1d67d5c_0_50:notes"/>
+          <p:cNvPr id="309" name="Google Shape;309;g62a1d67d5c_0_43:notes"/>
           <p:cNvSpPr/>
           <p:nvPr>
             <p:ph idx="2" type="sldImg"/>
@@ -1938,7 +1939,7 @@
       </p:sp>
       <p:sp>
         <p:nvSpPr>
-          <p:cNvPr id="310" name="Google Shape;310;g62a1d67d5c_0_50:notes"/>
+          <p:cNvPr id="310" name="Google Shape;310;g62a1d67d5c_0_43:notes"/>
           <p:cNvSpPr txBox="1"/>
           <p:nvPr>
             <p:ph idx="1" type="body"/>
@@ -1977,7 +1978,7 @@
       </p:sp>
       <p:sp>
         <p:nvSpPr>
-          <p:cNvPr id="311" name="Google Shape;311;g62a1d67d5c_0_50:notes"/>
+          <p:cNvPr id="311" name="Google Shape;311;g62a1d67d5c_0_43:notes"/>
           <p:cNvSpPr txBox="1"/>
           <p:nvPr>
             <p:ph idx="12" type="sldNum"/>
@@ -2032,7 +2033,7 @@
   <p:cSld>
     <p:spTree>
       <p:nvGrpSpPr>
-        <p:cNvPr id="317" name="Shape 317"/>
+        <p:cNvPr id="316" name="Shape 316"/>
         <p:cNvGrpSpPr/>
         <p:nvPr/>
       </p:nvGrpSpPr>
@@ -2046,7 +2047,7 @@
       </p:grpSpPr>
       <p:sp>
         <p:nvSpPr>
-          <p:cNvPr id="318" name="Google Shape;318;g62a1d67d5c_0_69:notes"/>
+          <p:cNvPr id="317" name="Google Shape;317;g62a1d67d5c_0_50:notes"/>
           <p:cNvSpPr/>
           <p:nvPr>
             <p:ph idx="2" type="sldImg"/>
@@ -2081,7 +2082,7 @@
       </p:sp>
       <p:sp>
         <p:nvSpPr>
-          <p:cNvPr id="319" name="Google Shape;319;g62a1d67d5c_0_69:notes"/>
+          <p:cNvPr id="318" name="Google Shape;318;g62a1d67d5c_0_50:notes"/>
           <p:cNvSpPr txBox="1"/>
           <p:nvPr>
             <p:ph idx="1" type="body"/>
@@ -2120,7 +2121,7 @@
       </p:sp>
       <p:sp>
         <p:nvSpPr>
-          <p:cNvPr id="320" name="Google Shape;320;g62a1d67d5c_0_69:notes"/>
+          <p:cNvPr id="319" name="Google Shape;319;g62a1d67d5c_0_50:notes"/>
           <p:cNvSpPr txBox="1"/>
           <p:nvPr>
             <p:ph idx="12" type="sldNum"/>
@@ -2148,6 +2149,10 @@
               <a:spcAft>
                 <a:spcPts val="0"/>
               </a:spcAft>
+              <a:buClr>
+                <a:srgbClr val="000000"/>
+              </a:buClr>
+              <a:buFont typeface="Arial"/>
               <a:buNone/>
             </a:pPr>
             <a:fld id="{00000000-1234-1234-1234-123412341234}" type="slidenum">
@@ -2171,7 +2176,7 @@
   <p:cSld>
     <p:spTree>
       <p:nvGrpSpPr>
-        <p:cNvPr id="326" name="Shape 326"/>
+        <p:cNvPr id="325" name="Shape 325"/>
         <p:cNvGrpSpPr/>
         <p:nvPr/>
       </p:nvGrpSpPr>
@@ -2185,7 +2190,7 @@
       </p:grpSpPr>
       <p:sp>
         <p:nvSpPr>
-          <p:cNvPr id="327" name="Google Shape;327;g62a1d67d5c_0_78:notes"/>
+          <p:cNvPr id="326" name="Google Shape;326;g62a1d67d5c_0_69:notes"/>
           <p:cNvSpPr/>
           <p:nvPr>
             <p:ph idx="2" type="sldImg"/>
@@ -2220,7 +2225,7 @@
       </p:sp>
       <p:sp>
         <p:nvSpPr>
-          <p:cNvPr id="328" name="Google Shape;328;g62a1d67d5c_0_78:notes"/>
+          <p:cNvPr id="327" name="Google Shape;327;g62a1d67d5c_0_69:notes"/>
           <p:cNvSpPr txBox="1"/>
           <p:nvPr>
             <p:ph idx="1" type="body"/>
@@ -2259,7 +2264,146 @@
       </p:sp>
       <p:sp>
         <p:nvSpPr>
-          <p:cNvPr id="329" name="Google Shape;329;g62a1d67d5c_0_78:notes"/>
+          <p:cNvPr id="328" name="Google Shape;328;g62a1d67d5c_0_69:notes"/>
+          <p:cNvSpPr txBox="1"/>
+          <p:nvPr>
+            <p:ph idx="12" type="sldNum"/>
+          </p:nvPr>
+        </p:nvSpPr>
+        <p:spPr>
+          <a:xfrm>
+            <a:off x="3884613" y="8685213"/>
+            <a:ext cx="2971800" cy="458700"/>
+          </a:xfrm>
+          <a:prstGeom prst="rect">
+            <a:avLst/>
+          </a:prstGeom>
+        </p:spPr>
+        <p:txBody>
+          <a:bodyPr anchorCtr="0" anchor="b" bIns="45700" lIns="91425" spcFirstLastPara="1" rIns="91425" wrap="square" tIns="45700">
+            <a:noAutofit/>
+          </a:bodyPr>
+          <a:lstStyle/>
+          <a:p>
+            <a:pPr indent="0" lvl="0" marL="0" rtl="0" algn="r">
+              <a:spcBef>
+                <a:spcPts val="0"/>
+              </a:spcBef>
+              <a:spcAft>
+                <a:spcPts val="0"/>
+              </a:spcAft>
+              <a:buNone/>
+            </a:pPr>
+            <a:fld id="{00000000-1234-1234-1234-123412341234}" type="slidenum">
+              <a:rPr lang="en-US"/>
+              <a:t>‹#›</a:t>
+            </a:fld>
+            <a:endParaRPr/>
+          </a:p>
+        </p:txBody>
+      </p:sp>
+    </p:spTree>
+  </p:cSld>
+  <p:clrMapOvr>
+    <a:masterClrMapping/>
+  </p:clrMapOvr>
+</p:notes>
+</file>
+
+<file path=ppt/notesSlides/notesSlide15.xml><?xml version="1.0" encoding="utf-8"?>
+<p:notes xmlns:a="http://schemas.openxmlformats.org/drawingml/2006/main" xmlns:r="http://schemas.openxmlformats.org/officeDocument/2006/relationships" xmlns:mc="http://schemas.openxmlformats.org/markup-compatibility/2006" xmlns:mv="urn:schemas-microsoft-com:mac:vml" xmlns:p="http://schemas.openxmlformats.org/presentationml/2006/main" xmlns:c="http://schemas.openxmlformats.org/drawingml/2006/chart" xmlns:dgm="http://schemas.openxmlformats.org/drawingml/2006/diagram" xmlns:o="urn:schemas-microsoft-com:office:office" xmlns:v="urn:schemas-microsoft-com:vml" xmlns:pvml="urn:schemas-microsoft-com:office:powerpoint" xmlns:com="http://schemas.openxmlformats.org/drawingml/2006/compatibility" xmlns:p14="http://schemas.microsoft.com/office/powerpoint/2010/main" xmlns:p15="http://schemas.microsoft.com/office/powerpoint/2012/main" showMasterPhAnim="0" showMasterSp="0">
+  <p:cSld>
+    <p:spTree>
+      <p:nvGrpSpPr>
+        <p:cNvPr id="334" name="Shape 334"/>
+        <p:cNvGrpSpPr/>
+        <p:nvPr/>
+      </p:nvGrpSpPr>
+      <p:grpSpPr>
+        <a:xfrm>
+          <a:off x="0" y="0"/>
+          <a:ext cx="0" cy="0"/>
+          <a:chOff x="0" y="0"/>
+          <a:chExt cx="0" cy="0"/>
+        </a:xfrm>
+      </p:grpSpPr>
+      <p:sp>
+        <p:nvSpPr>
+          <p:cNvPr id="335" name="Google Shape;335;g62a1d67d5c_0_78:notes"/>
+          <p:cNvSpPr/>
+          <p:nvPr>
+            <p:ph idx="2" type="sldImg"/>
+          </p:nvPr>
+        </p:nvSpPr>
+        <p:spPr>
+          <a:xfrm>
+            <a:off x="685800" y="1143000"/>
+            <a:ext cx="5486400" cy="3086100"/>
+          </a:xfrm>
+          <a:custGeom>
+            <a:rect b="b" l="l" r="r" t="t"/>
+            <a:pathLst>
+              <a:path extrusionOk="0" h="120000" w="120000">
+                <a:moveTo>
+                  <a:pt x="0" y="0"/>
+                </a:moveTo>
+                <a:lnTo>
+                  <a:pt x="120000" y="0"/>
+                </a:lnTo>
+                <a:lnTo>
+                  <a:pt x="120000" y="120000"/>
+                </a:lnTo>
+                <a:lnTo>
+                  <a:pt x="0" y="120000"/>
+                </a:lnTo>
+                <a:close/>
+              </a:path>
+            </a:pathLst>
+          </a:custGeom>
+        </p:spPr>
+      </p:sp>
+      <p:sp>
+        <p:nvSpPr>
+          <p:cNvPr id="336" name="Google Shape;336;g62a1d67d5c_0_78:notes"/>
+          <p:cNvSpPr txBox="1"/>
+          <p:nvPr>
+            <p:ph idx="1" type="body"/>
+          </p:nvPr>
+        </p:nvSpPr>
+        <p:spPr>
+          <a:xfrm>
+            <a:off x="685800" y="4400550"/>
+            <a:ext cx="5486400" cy="3600600"/>
+          </a:xfrm>
+          <a:prstGeom prst="rect">
+            <a:avLst/>
+          </a:prstGeom>
+        </p:spPr>
+        <p:txBody>
+          <a:bodyPr anchorCtr="0" anchor="t" bIns="45700" lIns="91425" spcFirstLastPara="1" rIns="91425" wrap="square" tIns="45700">
+            <a:noAutofit/>
+          </a:bodyPr>
+          <a:lstStyle/>
+          <a:p>
+            <a:pPr indent="0" lvl="0" marL="0" rtl="0" algn="l">
+              <a:spcBef>
+                <a:spcPts val="0"/>
+              </a:spcBef>
+              <a:spcAft>
+                <a:spcPts val="0"/>
+              </a:spcAft>
+              <a:buNone/>
+            </a:pPr>
+            <a:r>
+              <a:t/>
+            </a:r>
+            <a:endParaRPr/>
+          </a:p>
+        </p:txBody>
+      </p:sp>
+      <p:sp>
+        <p:nvSpPr>
+          <p:cNvPr id="337" name="Google Shape;337;g62a1d67d5c_0_78:notes"/>
           <p:cNvSpPr txBox="1"/>
           <p:nvPr>
             <p:ph idx="12" type="sldNum"/>
@@ -2324,7 +2468,7 @@
       </p:grpSpPr>
       <p:sp>
         <p:nvSpPr>
-          <p:cNvPr id="223" name="Google Shape;223;g6252a136c8_0_56:notes"/>
+          <p:cNvPr id="223" name="Google Shape;223;g62a1d67d5c_0_95:notes"/>
           <p:cNvSpPr/>
           <p:nvPr>
             <p:ph idx="2" type="sldImg"/>
@@ -2359,7 +2503,7 @@
       </p:sp>
       <p:sp>
         <p:nvSpPr>
-          <p:cNvPr id="224" name="Google Shape;224;g6252a136c8_0_56:notes"/>
+          <p:cNvPr id="224" name="Google Shape;224;g62a1d67d5c_0_95:notes"/>
           <p:cNvSpPr txBox="1"/>
           <p:nvPr>
             <p:ph idx="1" type="body"/>
@@ -2398,7 +2542,7 @@
       </p:sp>
       <p:sp>
         <p:nvSpPr>
-          <p:cNvPr id="225" name="Google Shape;225;g6252a136c8_0_56:notes"/>
+          <p:cNvPr id="225" name="Google Shape;225;g62a1d67d5c_0_95:notes"/>
           <p:cNvSpPr txBox="1"/>
           <p:nvPr>
             <p:ph idx="12" type="sldNum"/>
@@ -2467,7 +2611,7 @@
       </p:grpSpPr>
       <p:sp>
         <p:nvSpPr>
-          <p:cNvPr id="231" name="Google Shape;231;g62a1d67d5c_0_0:notes"/>
+          <p:cNvPr id="231" name="Google Shape;231;g6252a136c8_0_56:notes"/>
           <p:cNvSpPr/>
           <p:nvPr>
             <p:ph idx="2" type="sldImg"/>
@@ -2502,7 +2646,7 @@
       </p:sp>
       <p:sp>
         <p:nvSpPr>
-          <p:cNvPr id="232" name="Google Shape;232;g62a1d67d5c_0_0:notes"/>
+          <p:cNvPr id="232" name="Google Shape;232;g6252a136c8_0_56:notes"/>
           <p:cNvSpPr txBox="1"/>
           <p:nvPr>
             <p:ph idx="1" type="body"/>
@@ -2541,7 +2685,7 @@
       </p:sp>
       <p:sp>
         <p:nvSpPr>
-          <p:cNvPr id="233" name="Google Shape;233;g62a1d67d5c_0_0:notes"/>
+          <p:cNvPr id="233" name="Google Shape;233;g6252a136c8_0_56:notes"/>
           <p:cNvSpPr txBox="1"/>
           <p:nvPr>
             <p:ph idx="12" type="sldNum"/>
@@ -2610,7 +2754,7 @@
       </p:grpSpPr>
       <p:sp>
         <p:nvSpPr>
-          <p:cNvPr id="239" name="Google Shape;239;g62a1d67d5c_0_15:notes"/>
+          <p:cNvPr id="239" name="Google Shape;239;g62a1d67d5c_0_0:notes"/>
           <p:cNvSpPr/>
           <p:nvPr>
             <p:ph idx="2" type="sldImg"/>
@@ -2645,7 +2789,7 @@
       </p:sp>
       <p:sp>
         <p:nvSpPr>
-          <p:cNvPr id="240" name="Google Shape;240;g62a1d67d5c_0_15:notes"/>
+          <p:cNvPr id="240" name="Google Shape;240;g62a1d67d5c_0_0:notes"/>
           <p:cNvSpPr txBox="1"/>
           <p:nvPr>
             <p:ph idx="1" type="body"/>
@@ -2684,7 +2828,7 @@
       </p:sp>
       <p:sp>
         <p:nvSpPr>
-          <p:cNvPr id="241" name="Google Shape;241;g62a1d67d5c_0_15:notes"/>
+          <p:cNvPr id="241" name="Google Shape;241;g62a1d67d5c_0_0:notes"/>
           <p:cNvSpPr txBox="1"/>
           <p:nvPr>
             <p:ph idx="12" type="sldNum"/>
@@ -2712,6 +2856,10 @@
               <a:spcAft>
                 <a:spcPts val="0"/>
               </a:spcAft>
+              <a:buClr>
+                <a:srgbClr val="000000"/>
+              </a:buClr>
+              <a:buFont typeface="Arial"/>
               <a:buNone/>
             </a:pPr>
             <a:fld id="{00000000-1234-1234-1234-123412341234}" type="slidenum">
@@ -2735,7 +2883,7 @@
   <p:cSld>
     <p:spTree>
       <p:nvGrpSpPr>
-        <p:cNvPr id="248" name="Shape 248"/>
+        <p:cNvPr id="246" name="Shape 246"/>
         <p:cNvGrpSpPr/>
         <p:nvPr/>
       </p:nvGrpSpPr>
@@ -2749,7 +2897,7 @@
       </p:grpSpPr>
       <p:sp>
         <p:nvSpPr>
-          <p:cNvPr id="249" name="Google Shape;249;g6252a136c8_0_72:notes"/>
+          <p:cNvPr id="247" name="Google Shape;247;g62a1d67d5c_0_15:notes"/>
           <p:cNvSpPr/>
           <p:nvPr>
             <p:ph idx="2" type="sldImg"/>
@@ -2784,7 +2932,7 @@
       </p:sp>
       <p:sp>
         <p:nvSpPr>
-          <p:cNvPr id="250" name="Google Shape;250;g6252a136c8_0_72:notes"/>
+          <p:cNvPr id="248" name="Google Shape;248;g62a1d67d5c_0_15:notes"/>
           <p:cNvSpPr txBox="1"/>
           <p:nvPr>
             <p:ph idx="1" type="body"/>
@@ -2823,7 +2971,7 @@
       </p:sp>
       <p:sp>
         <p:nvSpPr>
-          <p:cNvPr id="251" name="Google Shape;251;g6252a136c8_0_72:notes"/>
+          <p:cNvPr id="249" name="Google Shape;249;g62a1d67d5c_0_15:notes"/>
           <p:cNvSpPr txBox="1"/>
           <p:nvPr>
             <p:ph idx="12" type="sldNum"/>
@@ -2851,10 +2999,6 @@
               <a:spcAft>
                 <a:spcPts val="0"/>
               </a:spcAft>
-              <a:buClr>
-                <a:srgbClr val="000000"/>
-              </a:buClr>
-              <a:buFont typeface="Arial"/>
               <a:buNone/>
             </a:pPr>
             <a:fld id="{00000000-1234-1234-1234-123412341234}" type="slidenum">
@@ -2878,7 +3022,7 @@
   <p:cSld>
     <p:spTree>
       <p:nvGrpSpPr>
-        <p:cNvPr id="258" name="Shape 258"/>
+        <p:cNvPr id="256" name="Shape 256"/>
         <p:cNvGrpSpPr/>
         <p:nvPr/>
       </p:nvGrpSpPr>
@@ -2892,7 +3036,7 @@
       </p:grpSpPr>
       <p:sp>
         <p:nvSpPr>
-          <p:cNvPr id="259" name="Google Shape;259;g62a1d67d5c_0_23:notes"/>
+          <p:cNvPr id="257" name="Google Shape;257;g6252a136c8_0_72:notes"/>
           <p:cNvSpPr/>
           <p:nvPr>
             <p:ph idx="2" type="sldImg"/>
@@ -2927,7 +3071,7 @@
       </p:sp>
       <p:sp>
         <p:nvSpPr>
-          <p:cNvPr id="260" name="Google Shape;260;g62a1d67d5c_0_23:notes"/>
+          <p:cNvPr id="258" name="Google Shape;258;g6252a136c8_0_72:notes"/>
           <p:cNvSpPr txBox="1"/>
           <p:nvPr>
             <p:ph idx="1" type="body"/>
@@ -2966,7 +3110,7 @@
       </p:sp>
       <p:sp>
         <p:nvSpPr>
-          <p:cNvPr id="261" name="Google Shape;261;g62a1d67d5c_0_23:notes"/>
+          <p:cNvPr id="259" name="Google Shape;259;g6252a136c8_0_72:notes"/>
           <p:cNvSpPr txBox="1"/>
           <p:nvPr>
             <p:ph idx="12" type="sldNum"/>
@@ -3021,7 +3165,7 @@
   <p:cSld>
     <p:spTree>
       <p:nvGrpSpPr>
-        <p:cNvPr id="268" name="Shape 268"/>
+        <p:cNvPr id="266" name="Shape 266"/>
         <p:cNvGrpSpPr/>
         <p:nvPr/>
       </p:nvGrpSpPr>
@@ -3035,7 +3179,7 @@
       </p:grpSpPr>
       <p:sp>
         <p:nvSpPr>
-          <p:cNvPr id="269" name="Google Shape;269;g62a1d67d5c_0_35:notes"/>
+          <p:cNvPr id="267" name="Google Shape;267;g62a1d67d5c_0_23:notes"/>
           <p:cNvSpPr/>
           <p:nvPr>
             <p:ph idx="2" type="sldImg"/>
@@ -3070,7 +3214,7 @@
       </p:sp>
       <p:sp>
         <p:nvSpPr>
-          <p:cNvPr id="270" name="Google Shape;270;g62a1d67d5c_0_35:notes"/>
+          <p:cNvPr id="268" name="Google Shape;268;g62a1d67d5c_0_23:notes"/>
           <p:cNvSpPr txBox="1"/>
           <p:nvPr>
             <p:ph idx="1" type="body"/>
@@ -3109,7 +3253,7 @@
       </p:sp>
       <p:sp>
         <p:nvSpPr>
-          <p:cNvPr id="271" name="Google Shape;271;g62a1d67d5c_0_35:notes"/>
+          <p:cNvPr id="269" name="Google Shape;269;g62a1d67d5c_0_23:notes"/>
           <p:cNvSpPr txBox="1"/>
           <p:nvPr>
             <p:ph idx="12" type="sldNum"/>
@@ -3178,7 +3322,7 @@
       </p:grpSpPr>
       <p:sp>
         <p:nvSpPr>
-          <p:cNvPr id="277" name="Google Shape;277;g6252a136c8_0_80:notes"/>
+          <p:cNvPr id="277" name="Google Shape;277;g62a1d67d5c_0_35:notes"/>
           <p:cNvSpPr/>
           <p:nvPr>
             <p:ph idx="2" type="sldImg"/>
@@ -3213,7 +3357,7 @@
       </p:sp>
       <p:sp>
         <p:nvSpPr>
-          <p:cNvPr id="278" name="Google Shape;278;g6252a136c8_0_80:notes"/>
+          <p:cNvPr id="278" name="Google Shape;278;g62a1d67d5c_0_35:notes"/>
           <p:cNvSpPr txBox="1"/>
           <p:nvPr>
             <p:ph idx="1" type="body"/>
@@ -3252,7 +3396,7 @@
       </p:sp>
       <p:sp>
         <p:nvSpPr>
-          <p:cNvPr id="279" name="Google Shape;279;g6252a136c8_0_80:notes"/>
+          <p:cNvPr id="279" name="Google Shape;279;g62a1d67d5c_0_35:notes"/>
           <p:cNvSpPr txBox="1"/>
           <p:nvPr>
             <p:ph idx="12" type="sldNum"/>
@@ -3321,7 +3465,7 @@
       </p:grpSpPr>
       <p:sp>
         <p:nvSpPr>
-          <p:cNvPr id="285" name="Google Shape;285;g6252a136c8_0_86:notes"/>
+          <p:cNvPr id="285" name="Google Shape;285;g6252a136c8_0_80:notes"/>
           <p:cNvSpPr/>
           <p:nvPr>
             <p:ph idx="2" type="sldImg"/>
@@ -3356,7 +3500,7 @@
       </p:sp>
       <p:sp>
         <p:nvSpPr>
-          <p:cNvPr id="286" name="Google Shape;286;g6252a136c8_0_86:notes"/>
+          <p:cNvPr id="286" name="Google Shape;286;g6252a136c8_0_80:notes"/>
           <p:cNvSpPr txBox="1"/>
           <p:nvPr>
             <p:ph idx="1" type="body"/>
@@ -3395,7 +3539,7 @@
       </p:sp>
       <p:sp>
         <p:nvSpPr>
-          <p:cNvPr id="287" name="Google Shape;287;g6252a136c8_0_86:notes"/>
+          <p:cNvPr id="287" name="Google Shape;287;g6252a136c8_0_80:notes"/>
           <p:cNvSpPr txBox="1"/>
           <p:nvPr>
             <p:ph idx="12" type="sldNum"/>
@@ -26916,7 +27060,7 @@
             </a:pPr>
             <a:r>
               <a:rPr lang="en-US"/>
-              <a:t>LSTM Recall</a:t>
+              <a:t>Decoder</a:t>
             </a:r>
             <a:endParaRPr/>
           </a:p>
@@ -26957,7 +27101,24 @@
             </a:pPr>
             <a:r>
               <a:rPr lang="en-US"/>
-              <a:t>At professor slide “RecurrentNeuralNetworks.pdf”</a:t>
+              <a:t>Noticed that you will use your model in model.py line 34</a:t>
+            </a:r>
+            <a:endParaRPr/>
+          </a:p>
+          <a:p>
+            <a:pPr indent="-358140" lvl="1" marL="914400" rtl="0" algn="l">
+              <a:spcBef>
+                <a:spcPts val="0"/>
+              </a:spcBef>
+              <a:spcAft>
+                <a:spcPts val="0"/>
+              </a:spcAft>
+              <a:buSzPts val="2040"/>
+              <a:buChar char="⚫"/>
+            </a:pPr>
+            <a:r>
+              <a:rPr lang="en-US"/>
+              <a:t>You can use nn.LSTM to check your environment is OK or not</a:t>
             </a:r>
             <a:endParaRPr/>
           </a:p>
@@ -26979,8 +27140,8 @@
         </p:blipFill>
         <p:spPr>
           <a:xfrm>
-            <a:off x="1546886" y="2391199"/>
-            <a:ext cx="9707825" cy="4466800"/>
+            <a:off x="1071563" y="2855050"/>
+            <a:ext cx="10048875" cy="3295650"/>
           </a:xfrm>
           <a:prstGeom prst="rect">
             <a:avLst/>
@@ -27050,7 +27211,7 @@
             </a:pPr>
             <a:r>
               <a:rPr lang="en-US"/>
-              <a:t>Lstm Implement Hint </a:t>
+              <a:t>LSTM Recall</a:t>
             </a:r>
             <a:endParaRPr/>
           </a:p>
@@ -27091,104 +27252,7 @@
             </a:pPr>
             <a:r>
               <a:rPr lang="en-US"/>
-              <a:t>You can use nn.Linear to build your lstm</a:t>
-            </a:r>
-            <a:endParaRPr/>
-          </a:p>
-          <a:p>
-            <a:pPr indent="0" lvl="0" marL="457200" rtl="0" algn="l">
-              <a:spcBef>
-                <a:spcPts val="580"/>
-              </a:spcBef>
-              <a:spcAft>
-                <a:spcPts val="0"/>
-              </a:spcAft>
-              <a:buNone/>
-            </a:pPr>
-            <a:r>
-              <a:t/>
-            </a:r>
-            <a:endParaRPr/>
-          </a:p>
-          <a:p>
-            <a:pPr indent="0" lvl="0" marL="457200" rtl="0" algn="l">
-              <a:spcBef>
-                <a:spcPts val="580"/>
-              </a:spcBef>
-              <a:spcAft>
-                <a:spcPts val="0"/>
-              </a:spcAft>
-              <a:buNone/>
-            </a:pPr>
-            <a:r>
-              <a:t/>
-            </a:r>
-            <a:endParaRPr/>
-          </a:p>
-          <a:p>
-            <a:pPr indent="0" lvl="0" marL="457200" rtl="0" algn="l">
-              <a:spcBef>
-                <a:spcPts val="580"/>
-              </a:spcBef>
-              <a:spcAft>
-                <a:spcPts val="0"/>
-              </a:spcAft>
-              <a:buNone/>
-            </a:pPr>
-            <a:r>
-              <a:t/>
-            </a:r>
-            <a:endParaRPr/>
-          </a:p>
-          <a:p>
-            <a:pPr indent="0" lvl="0" marL="457200" rtl="0" algn="l">
-              <a:spcBef>
-                <a:spcPts val="580"/>
-              </a:spcBef>
-              <a:spcAft>
-                <a:spcPts val="0"/>
-              </a:spcAft>
-              <a:buNone/>
-            </a:pPr>
-            <a:r>
-              <a:t/>
-            </a:r>
-            <a:endParaRPr/>
-          </a:p>
-          <a:p>
-            <a:pPr indent="0" lvl="0" marL="0" rtl="0" algn="l">
-              <a:spcBef>
-                <a:spcPts val="580"/>
-              </a:spcBef>
-              <a:spcAft>
-                <a:spcPts val="0"/>
-              </a:spcAft>
-              <a:buNone/>
-            </a:pPr>
-            <a:r>
-              <a:t/>
-            </a:r>
-            <a:endParaRPr/>
-          </a:p>
-          <a:p>
-            <a:pPr indent="-368935" lvl="0" marL="457200" rtl="0" algn="l">
-              <a:spcBef>
-                <a:spcPts val="580"/>
-              </a:spcBef>
-              <a:spcAft>
-                <a:spcPts val="0"/>
-              </a:spcAft>
-              <a:buSzPts val="2210"/>
-              <a:buChar char="⚫"/>
-            </a:pPr>
-            <a:r>
-              <a:rPr lang="en-US" u="sng">
-                <a:solidFill>
-                  <a:schemeClr val="hlink"/>
-                </a:solidFill>
-                <a:hlinkClick r:id="rId3"/>
-              </a:rPr>
-              <a:t>RNN Example </a:t>
+              <a:t>At professor slide “RecurrentNeuralNetworks.pdf”</a:t>
             </a:r>
             <a:endParaRPr/>
           </a:p>
@@ -27201,7 +27265,7 @@
           <p:nvPr/>
         </p:nvPicPr>
         <p:blipFill>
-          <a:blip r:embed="rId4">
+          <a:blip r:embed="rId3">
             <a:alphaModFix/>
           </a:blip>
           <a:stretch>
@@ -27210,8 +27274,8 @@
         </p:blipFill>
         <p:spPr>
           <a:xfrm>
-            <a:off x="1848638" y="3273813"/>
-            <a:ext cx="9104326" cy="310375"/>
+            <a:off x="1546886" y="2391199"/>
+            <a:ext cx="9707825" cy="4466800"/>
           </a:xfrm>
           <a:prstGeom prst="rect">
             <a:avLst/>
@@ -27281,7 +27345,7 @@
             </a:pPr>
             <a:r>
               <a:rPr lang="en-US"/>
-              <a:t>pack_padded_sequence</a:t>
+              <a:t>Lstm Implement Hint </a:t>
             </a:r>
             <a:endParaRPr/>
           </a:p>
@@ -27310,6 +27374,237 @@
           </a:bodyPr>
           <a:lstStyle/>
           <a:p>
+            <a:pPr indent="-368935" lvl="0" marL="457200" rtl="0" algn="l">
+              <a:spcBef>
+                <a:spcPts val="580"/>
+              </a:spcBef>
+              <a:spcAft>
+                <a:spcPts val="0"/>
+              </a:spcAft>
+              <a:buSzPts val="2210"/>
+              <a:buChar char="⚫"/>
+            </a:pPr>
+            <a:r>
+              <a:rPr lang="en-US"/>
+              <a:t>You can use nn.Linear to build your lstm</a:t>
+            </a:r>
+            <a:endParaRPr/>
+          </a:p>
+          <a:p>
+            <a:pPr indent="0" lvl="0" marL="457200" rtl="0" algn="l">
+              <a:spcBef>
+                <a:spcPts val="580"/>
+              </a:spcBef>
+              <a:spcAft>
+                <a:spcPts val="0"/>
+              </a:spcAft>
+              <a:buNone/>
+            </a:pPr>
+            <a:r>
+              <a:t/>
+            </a:r>
+            <a:endParaRPr/>
+          </a:p>
+          <a:p>
+            <a:pPr indent="0" lvl="0" marL="457200" rtl="0" algn="l">
+              <a:spcBef>
+                <a:spcPts val="580"/>
+              </a:spcBef>
+              <a:spcAft>
+                <a:spcPts val="0"/>
+              </a:spcAft>
+              <a:buNone/>
+            </a:pPr>
+            <a:r>
+              <a:t/>
+            </a:r>
+            <a:endParaRPr/>
+          </a:p>
+          <a:p>
+            <a:pPr indent="0" lvl="0" marL="457200" rtl="0" algn="l">
+              <a:spcBef>
+                <a:spcPts val="580"/>
+              </a:spcBef>
+              <a:spcAft>
+                <a:spcPts val="0"/>
+              </a:spcAft>
+              <a:buNone/>
+            </a:pPr>
+            <a:r>
+              <a:t/>
+            </a:r>
+            <a:endParaRPr/>
+          </a:p>
+          <a:p>
+            <a:pPr indent="0" lvl="0" marL="457200" rtl="0" algn="l">
+              <a:spcBef>
+                <a:spcPts val="580"/>
+              </a:spcBef>
+              <a:spcAft>
+                <a:spcPts val="0"/>
+              </a:spcAft>
+              <a:buNone/>
+            </a:pPr>
+            <a:r>
+              <a:t/>
+            </a:r>
+            <a:endParaRPr/>
+          </a:p>
+          <a:p>
+            <a:pPr indent="0" lvl="0" marL="0" rtl="0" algn="l">
+              <a:spcBef>
+                <a:spcPts val="580"/>
+              </a:spcBef>
+              <a:spcAft>
+                <a:spcPts val="0"/>
+              </a:spcAft>
+              <a:buNone/>
+            </a:pPr>
+            <a:r>
+              <a:t/>
+            </a:r>
+            <a:endParaRPr/>
+          </a:p>
+          <a:p>
+            <a:pPr indent="-368935" lvl="0" marL="457200" rtl="0" algn="l">
+              <a:spcBef>
+                <a:spcPts val="580"/>
+              </a:spcBef>
+              <a:spcAft>
+                <a:spcPts val="0"/>
+              </a:spcAft>
+              <a:buSzPts val="2210"/>
+              <a:buChar char="⚫"/>
+            </a:pPr>
+            <a:r>
+              <a:rPr lang="en-US" u="sng">
+                <a:solidFill>
+                  <a:schemeClr val="hlink"/>
+                </a:solidFill>
+                <a:hlinkClick r:id="rId3"/>
+              </a:rPr>
+              <a:t>RNN Example </a:t>
+            </a:r>
+            <a:endParaRPr/>
+          </a:p>
+        </p:txBody>
+      </p:sp>
+      <p:pic>
+        <p:nvPicPr>
+          <p:cNvPr id="315" name="Google Shape;315;p40"/>
+          <p:cNvPicPr preferRelativeResize="0"/>
+          <p:nvPr/>
+        </p:nvPicPr>
+        <p:blipFill>
+          <a:blip r:embed="rId4">
+            <a:alphaModFix/>
+          </a:blip>
+          <a:stretch>
+            <a:fillRect/>
+          </a:stretch>
+        </p:blipFill>
+        <p:spPr>
+          <a:xfrm>
+            <a:off x="1848638" y="3273813"/>
+            <a:ext cx="9104326" cy="310375"/>
+          </a:xfrm>
+          <a:prstGeom prst="rect">
+            <a:avLst/>
+          </a:prstGeom>
+          <a:noFill/>
+          <a:ln>
+            <a:noFill/>
+          </a:ln>
+        </p:spPr>
+      </p:pic>
+    </p:spTree>
+  </p:cSld>
+  <p:clrMapOvr>
+    <a:masterClrMapping/>
+  </p:clrMapOvr>
+</p:sld>
+</file>
+
+<file path=ppt/slides/slide13.xml><?xml version="1.0" encoding="utf-8"?>
+<p:sld xmlns:a="http://schemas.openxmlformats.org/drawingml/2006/main" xmlns:r="http://schemas.openxmlformats.org/officeDocument/2006/relationships" xmlns:mc="http://schemas.openxmlformats.org/markup-compatibility/2006" xmlns:mv="urn:schemas-microsoft-com:mac:vml" xmlns:p="http://schemas.openxmlformats.org/presentationml/2006/main" xmlns:c="http://schemas.openxmlformats.org/drawingml/2006/chart" xmlns:dgm="http://schemas.openxmlformats.org/drawingml/2006/diagram" xmlns:o="urn:schemas-microsoft-com:office:office" xmlns:v="urn:schemas-microsoft-com:vml" xmlns:pvml="urn:schemas-microsoft-com:office:powerpoint" xmlns:com="http://schemas.openxmlformats.org/drawingml/2006/compatibility" xmlns:p14="http://schemas.microsoft.com/office/powerpoint/2010/main" xmlns:p15="http://schemas.microsoft.com/office/powerpoint/2012/main">
+  <p:cSld>
+    <p:spTree>
+      <p:nvGrpSpPr>
+        <p:cNvPr id="320" name="Shape 320"/>
+        <p:cNvGrpSpPr/>
+        <p:nvPr/>
+      </p:nvGrpSpPr>
+      <p:grpSpPr>
+        <a:xfrm>
+          <a:off x="0" y="0"/>
+          <a:ext cx="0" cy="0"/>
+          <a:chOff x="0" y="0"/>
+          <a:chExt cx="0" cy="0"/>
+        </a:xfrm>
+      </p:grpSpPr>
+      <p:sp>
+        <p:nvSpPr>
+          <p:cNvPr id="321" name="Google Shape;321;p41"/>
+          <p:cNvSpPr txBox="1"/>
+          <p:nvPr>
+            <p:ph type="title"/>
+          </p:nvPr>
+        </p:nvSpPr>
+        <p:spPr>
+          <a:xfrm>
+            <a:off x="1219200" y="274638"/>
+            <a:ext cx="10363200" cy="1143000"/>
+          </a:xfrm>
+          <a:prstGeom prst="rect">
+            <a:avLst/>
+          </a:prstGeom>
+        </p:spPr>
+        <p:txBody>
+          <a:bodyPr anchorCtr="0" anchor="b" bIns="91425" lIns="91425" spcFirstLastPara="1" rIns="91425" wrap="square" tIns="45700">
+            <a:noAutofit/>
+          </a:bodyPr>
+          <a:lstStyle/>
+          <a:p>
+            <a:pPr indent="0" lvl="0" marL="0" rtl="0" algn="l">
+              <a:spcBef>
+                <a:spcPts val="0"/>
+              </a:spcBef>
+              <a:spcAft>
+                <a:spcPts val="0"/>
+              </a:spcAft>
+              <a:buNone/>
+            </a:pPr>
+            <a:r>
+              <a:rPr lang="en-US"/>
+              <a:t>pack_padded_sequence</a:t>
+            </a:r>
+            <a:endParaRPr/>
+          </a:p>
+        </p:txBody>
+      </p:sp>
+      <p:sp>
+        <p:nvSpPr>
+          <p:cNvPr id="322" name="Google Shape;322;p41"/>
+          <p:cNvSpPr txBox="1"/>
+          <p:nvPr>
+            <p:ph idx="1" type="body"/>
+          </p:nvPr>
+        </p:nvSpPr>
+        <p:spPr>
+          <a:xfrm>
+            <a:off x="1219200" y="1447800"/>
+            <a:ext cx="10363200" cy="4572000"/>
+          </a:xfrm>
+          <a:prstGeom prst="rect">
+            <a:avLst/>
+          </a:prstGeom>
+        </p:spPr>
+        <p:txBody>
+          <a:bodyPr anchorCtr="0" anchor="t" bIns="45700" lIns="91425" spcFirstLastPara="1" rIns="91425" wrap="square" tIns="45700">
+            <a:noAutofit/>
+          </a:bodyPr>
+          <a:lstStyle/>
+          <a:p>
             <a:pPr indent="0" lvl="0" marL="0" rtl="0" algn="l">
               <a:spcBef>
                 <a:spcPts val="580"/>
@@ -27328,7 +27623,7 @@
       </p:sp>
       <p:pic>
         <p:nvPicPr>
-          <p:cNvPr id="315" name="Google Shape;315;p40"/>
+          <p:cNvPr id="323" name="Google Shape;323;p41"/>
           <p:cNvPicPr preferRelativeResize="0"/>
           <p:nvPr/>
         </p:nvPicPr>
@@ -27356,7 +27651,7 @@
       </p:pic>
       <p:pic>
         <p:nvPicPr>
-          <p:cNvPr id="316" name="Google Shape;316;p40"/>
+          <p:cNvPr id="324" name="Google Shape;324;p41"/>
           <p:cNvPicPr preferRelativeResize="0"/>
           <p:nvPr/>
         </p:nvPicPr>
@@ -27390,12 +27685,12 @@
 </p:sld>
 </file>
 
-<file path=ppt/slides/slide13.xml><?xml version="1.0" encoding="utf-8"?>
+<file path=ppt/slides/slide14.xml><?xml version="1.0" encoding="utf-8"?>
 <p:sld xmlns:a="http://schemas.openxmlformats.org/drawingml/2006/main" xmlns:r="http://schemas.openxmlformats.org/officeDocument/2006/relationships" xmlns:mc="http://schemas.openxmlformats.org/markup-compatibility/2006" xmlns:mv="urn:schemas-microsoft-com:mac:vml" xmlns:p="http://schemas.openxmlformats.org/presentationml/2006/main" xmlns:c="http://schemas.openxmlformats.org/drawingml/2006/chart" xmlns:dgm="http://schemas.openxmlformats.org/drawingml/2006/diagram" xmlns:o="urn:schemas-microsoft-com:office:office" xmlns:v="urn:schemas-microsoft-com:vml" xmlns:pvml="urn:schemas-microsoft-com:office:powerpoint" xmlns:com="http://schemas.openxmlformats.org/drawingml/2006/compatibility" xmlns:p14="http://schemas.microsoft.com/office/powerpoint/2010/main" xmlns:p15="http://schemas.microsoft.com/office/powerpoint/2012/main">
   <p:cSld>
     <p:spTree>
       <p:nvGrpSpPr>
-        <p:cNvPr id="321" name="Shape 321"/>
+        <p:cNvPr id="329" name="Shape 329"/>
         <p:cNvGrpSpPr/>
         <p:nvPr/>
       </p:nvGrpSpPr>
@@ -27409,7 +27704,7 @@
       </p:grpSpPr>
       <p:sp>
         <p:nvSpPr>
-          <p:cNvPr id="322" name="Google Shape;322;p41"/>
+          <p:cNvPr id="330" name="Google Shape;330;p42"/>
           <p:cNvSpPr txBox="1"/>
           <p:nvPr>
             <p:ph type="title"/>
@@ -27449,7 +27744,7 @@
       </p:sp>
       <p:sp>
         <p:nvSpPr>
-          <p:cNvPr id="323" name="Google Shape;323;p41"/>
+          <p:cNvPr id="331" name="Google Shape;331;p42"/>
           <p:cNvSpPr txBox="1"/>
           <p:nvPr>
             <p:ph idx="1" type="body"/>
@@ -27488,7 +27783,7 @@
       </p:sp>
       <p:pic>
         <p:nvPicPr>
-          <p:cNvPr id="324" name="Google Shape;324;p41"/>
+          <p:cNvPr id="332" name="Google Shape;332;p42"/>
           <p:cNvPicPr preferRelativeResize="0"/>
           <p:nvPr/>
         </p:nvPicPr>
@@ -27516,7 +27811,7 @@
       </p:pic>
       <p:pic>
         <p:nvPicPr>
-          <p:cNvPr id="325" name="Google Shape;325;p41"/>
+          <p:cNvPr id="333" name="Google Shape;333;p42"/>
           <p:cNvPicPr preferRelativeResize="0"/>
           <p:nvPr/>
         </p:nvPicPr>
@@ -27550,12 +27845,12 @@
 </p:sld>
 </file>
 
-<file path=ppt/slides/slide14.xml><?xml version="1.0" encoding="utf-8"?>
+<file path=ppt/slides/slide15.xml><?xml version="1.0" encoding="utf-8"?>
 <p:sld xmlns:a="http://schemas.openxmlformats.org/drawingml/2006/main" xmlns:r="http://schemas.openxmlformats.org/officeDocument/2006/relationships" xmlns:mc="http://schemas.openxmlformats.org/markup-compatibility/2006" xmlns:mv="urn:schemas-microsoft-com:mac:vml" xmlns:p="http://schemas.openxmlformats.org/presentationml/2006/main" xmlns:c="http://schemas.openxmlformats.org/drawingml/2006/chart" xmlns:dgm="http://schemas.openxmlformats.org/drawingml/2006/diagram" xmlns:o="urn:schemas-microsoft-com:office:office" xmlns:v="urn:schemas-microsoft-com:vml" xmlns:pvml="urn:schemas-microsoft-com:office:powerpoint" xmlns:com="http://schemas.openxmlformats.org/drawingml/2006/compatibility" xmlns:p14="http://schemas.microsoft.com/office/powerpoint/2010/main" xmlns:p15="http://schemas.microsoft.com/office/powerpoint/2012/main">
   <p:cSld>
     <p:spTree>
       <p:nvGrpSpPr>
-        <p:cNvPr id="330" name="Shape 330"/>
+        <p:cNvPr id="338" name="Shape 338"/>
         <p:cNvGrpSpPr/>
         <p:nvPr/>
       </p:nvGrpSpPr>
@@ -27569,7 +27864,7 @@
       </p:grpSpPr>
       <p:sp>
         <p:nvSpPr>
-          <p:cNvPr id="331" name="Google Shape;331;p42"/>
+          <p:cNvPr id="339" name="Google Shape;339;p43"/>
           <p:cNvSpPr txBox="1"/>
           <p:nvPr>
             <p:ph type="title"/>
@@ -27609,7 +27904,7 @@
       </p:sp>
       <p:sp>
         <p:nvSpPr>
-          <p:cNvPr id="332" name="Google Shape;332;p42"/>
+          <p:cNvPr id="340" name="Google Shape;340;p43"/>
           <p:cNvSpPr txBox="1"/>
           <p:nvPr>
             <p:ph idx="1" type="body"/>
@@ -27648,7 +27943,7 @@
       </p:sp>
       <p:pic>
         <p:nvPicPr>
-          <p:cNvPr id="333" name="Google Shape;333;p42"/>
+          <p:cNvPr id="341" name="Google Shape;341;p43"/>
           <p:cNvPicPr preferRelativeResize="0"/>
           <p:nvPr/>
         </p:nvPicPr>
@@ -27733,7 +28028,7 @@
             </a:pPr>
             <a:r>
               <a:rPr lang="en-US"/>
-              <a:t>Image-Caption</a:t>
+              <a:t>Useful Link</a:t>
             </a:r>
             <a:endParaRPr/>
           </a:p>
@@ -27794,8 +28089,8 @@
         </p:blipFill>
         <p:spPr>
           <a:xfrm>
-            <a:off x="1219200" y="1447810"/>
-            <a:ext cx="10363200" cy="5168164"/>
+            <a:off x="4413150" y="1091988"/>
+            <a:ext cx="7715250" cy="5686425"/>
           </a:xfrm>
           <a:prstGeom prst="rect">
             <a:avLst/>
@@ -27865,7 +28160,7 @@
             </a:pPr>
             <a:r>
               <a:rPr lang="en-US"/>
-              <a:t>Encoder-Decoder</a:t>
+              <a:t>Image-Caption</a:t>
             </a:r>
             <a:endParaRPr/>
           </a:p>
@@ -27926,8 +28221,8 @@
         </p:blipFill>
         <p:spPr>
           <a:xfrm>
-            <a:off x="2390775" y="1828800"/>
-            <a:ext cx="8020050" cy="3810000"/>
+            <a:off x="1219200" y="1447810"/>
+            <a:ext cx="10363200" cy="5168164"/>
           </a:xfrm>
           <a:prstGeom prst="rect">
             <a:avLst/>
@@ -28070,9 +28365,141 @@
           </a:ln>
         </p:spPr>
       </p:pic>
+    </p:spTree>
+  </p:cSld>
+  <p:clrMapOvr>
+    <a:masterClrMapping/>
+  </p:clrMapOvr>
+</p:sld>
+</file>
+
+<file path=ppt/slides/slide5.xml><?xml version="1.0" encoding="utf-8"?>
+<p:sld xmlns:a="http://schemas.openxmlformats.org/drawingml/2006/main" xmlns:r="http://schemas.openxmlformats.org/officeDocument/2006/relationships" xmlns:mc="http://schemas.openxmlformats.org/markup-compatibility/2006" xmlns:mv="urn:schemas-microsoft-com:mac:vml" xmlns:p="http://schemas.openxmlformats.org/presentationml/2006/main" xmlns:c="http://schemas.openxmlformats.org/drawingml/2006/chart" xmlns:dgm="http://schemas.openxmlformats.org/drawingml/2006/diagram" xmlns:o="urn:schemas-microsoft-com:office:office" xmlns:v="urn:schemas-microsoft-com:vml" xmlns:pvml="urn:schemas-microsoft-com:office:powerpoint" xmlns:com="http://schemas.openxmlformats.org/drawingml/2006/compatibility" xmlns:p14="http://schemas.microsoft.com/office/powerpoint/2010/main" xmlns:p15="http://schemas.microsoft.com/office/powerpoint/2012/main">
+  <p:cSld>
+    <p:spTree>
+      <p:nvGrpSpPr>
+        <p:cNvPr id="250" name="Shape 250"/>
+        <p:cNvGrpSpPr/>
+        <p:nvPr/>
+      </p:nvGrpSpPr>
+      <p:grpSpPr>
+        <a:xfrm>
+          <a:off x="0" y="0"/>
+          <a:ext cx="0" cy="0"/>
+          <a:chOff x="0" y="0"/>
+          <a:chExt cx="0" cy="0"/>
+        </a:xfrm>
+      </p:grpSpPr>
+      <p:sp>
+        <p:nvSpPr>
+          <p:cNvPr id="251" name="Google Shape;251;p33"/>
+          <p:cNvSpPr txBox="1"/>
+          <p:nvPr>
+            <p:ph type="title"/>
+          </p:nvPr>
+        </p:nvSpPr>
+        <p:spPr>
+          <a:xfrm>
+            <a:off x="1219200" y="274638"/>
+            <a:ext cx="10363200" cy="1143000"/>
+          </a:xfrm>
+          <a:prstGeom prst="rect">
+            <a:avLst/>
+          </a:prstGeom>
+        </p:spPr>
+        <p:txBody>
+          <a:bodyPr anchorCtr="0" anchor="b" bIns="91425" lIns="91425" spcFirstLastPara="1" rIns="91425" wrap="square" tIns="45700">
+            <a:noAutofit/>
+          </a:bodyPr>
+          <a:lstStyle/>
+          <a:p>
+            <a:pPr indent="0" lvl="0" marL="0" rtl="0" algn="l">
+              <a:spcBef>
+                <a:spcPts val="0"/>
+              </a:spcBef>
+              <a:spcAft>
+                <a:spcPts val="0"/>
+              </a:spcAft>
+              <a:buNone/>
+            </a:pPr>
+            <a:r>
+              <a:rPr lang="en-US"/>
+              <a:t>Encoder-Decoder</a:t>
+            </a:r>
+            <a:endParaRPr/>
+          </a:p>
+        </p:txBody>
+      </p:sp>
+      <p:sp>
+        <p:nvSpPr>
+          <p:cNvPr id="252" name="Google Shape;252;p33"/>
+          <p:cNvSpPr txBox="1"/>
+          <p:nvPr>
+            <p:ph idx="1" type="body"/>
+          </p:nvPr>
+        </p:nvSpPr>
+        <p:spPr>
+          <a:xfrm>
+            <a:off x="1219200" y="1447800"/>
+            <a:ext cx="10363200" cy="4572000"/>
+          </a:xfrm>
+          <a:prstGeom prst="rect">
+            <a:avLst/>
+          </a:prstGeom>
+        </p:spPr>
+        <p:txBody>
+          <a:bodyPr anchorCtr="0" anchor="t" bIns="45700" lIns="91425" spcFirstLastPara="1" rIns="91425" wrap="square" tIns="45700">
+            <a:noAutofit/>
+          </a:bodyPr>
+          <a:lstStyle/>
+          <a:p>
+            <a:pPr indent="0" lvl="0" marL="0" rtl="0" algn="l">
+              <a:spcBef>
+                <a:spcPts val="580"/>
+              </a:spcBef>
+              <a:spcAft>
+                <a:spcPts val="0"/>
+              </a:spcAft>
+              <a:buNone/>
+            </a:pPr>
+            <a:r>
+              <a:t/>
+            </a:r>
+            <a:endParaRPr/>
+          </a:p>
+        </p:txBody>
+      </p:sp>
       <p:pic>
         <p:nvPicPr>
-          <p:cNvPr id="246" name="Google Shape;246;p32"/>
+          <p:cNvPr id="253" name="Google Shape;253;p33"/>
+          <p:cNvPicPr preferRelativeResize="0"/>
+          <p:nvPr/>
+        </p:nvPicPr>
+        <p:blipFill>
+          <a:blip r:embed="rId3">
+            <a:alphaModFix/>
+          </a:blip>
+          <a:stretch>
+            <a:fillRect/>
+          </a:stretch>
+        </p:blipFill>
+        <p:spPr>
+          <a:xfrm>
+            <a:off x="2390775" y="1828800"/>
+            <a:ext cx="8020050" cy="3810000"/>
+          </a:xfrm>
+          <a:prstGeom prst="rect">
+            <a:avLst/>
+          </a:prstGeom>
+          <a:noFill/>
+          <a:ln>
+            <a:noFill/>
+          </a:ln>
+        </p:spPr>
+      </p:pic>
+      <p:pic>
+        <p:nvPicPr>
+          <p:cNvPr id="254" name="Google Shape;254;p33"/>
           <p:cNvPicPr preferRelativeResize="0"/>
           <p:nvPr/>
         </p:nvPicPr>
@@ -28100,7 +28527,7 @@
       </p:pic>
       <p:sp>
         <p:nvSpPr>
-          <p:cNvPr id="247" name="Google Shape;247;p32"/>
+          <p:cNvPr id="255" name="Google Shape;255;p33"/>
           <p:cNvSpPr txBox="1"/>
           <p:nvPr/>
         </p:nvSpPr>
@@ -28214,12 +28641,12 @@
 </p:sld>
 </file>
 
-<file path=ppt/slides/slide5.xml><?xml version="1.0" encoding="utf-8"?>
+<file path=ppt/slides/slide6.xml><?xml version="1.0" encoding="utf-8"?>
 <p:sld xmlns:a="http://schemas.openxmlformats.org/drawingml/2006/main" xmlns:r="http://schemas.openxmlformats.org/officeDocument/2006/relationships" xmlns:mc="http://schemas.openxmlformats.org/markup-compatibility/2006" xmlns:mv="urn:schemas-microsoft-com:mac:vml" xmlns:p="http://schemas.openxmlformats.org/presentationml/2006/main" xmlns:c="http://schemas.openxmlformats.org/drawingml/2006/chart" xmlns:dgm="http://schemas.openxmlformats.org/drawingml/2006/diagram" xmlns:o="urn:schemas-microsoft-com:office:office" xmlns:v="urn:schemas-microsoft-com:vml" xmlns:pvml="urn:schemas-microsoft-com:office:powerpoint" xmlns:com="http://schemas.openxmlformats.org/drawingml/2006/compatibility" xmlns:p14="http://schemas.microsoft.com/office/powerpoint/2010/main" xmlns:p15="http://schemas.microsoft.com/office/powerpoint/2012/main">
   <p:cSld>
     <p:spTree>
       <p:nvGrpSpPr>
-        <p:cNvPr id="252" name="Shape 252"/>
+        <p:cNvPr id="260" name="Shape 260"/>
         <p:cNvGrpSpPr/>
         <p:nvPr/>
       </p:nvGrpSpPr>
@@ -28233,7 +28660,7 @@
       </p:grpSpPr>
       <p:sp>
         <p:nvSpPr>
-          <p:cNvPr id="253" name="Google Shape;253;p33"/>
+          <p:cNvPr id="261" name="Google Shape;261;p34"/>
           <p:cNvSpPr txBox="1"/>
           <p:nvPr>
             <p:ph type="title"/>
@@ -28273,7 +28700,7 @@
       </p:sp>
       <p:sp>
         <p:nvSpPr>
-          <p:cNvPr id="254" name="Google Shape;254;p33"/>
+          <p:cNvPr id="262" name="Google Shape;262;p34"/>
           <p:cNvSpPr txBox="1"/>
           <p:nvPr>
             <p:ph idx="1" type="body"/>
@@ -28348,7 +28775,7 @@
       </p:sp>
       <p:pic>
         <p:nvPicPr>
-          <p:cNvPr id="255" name="Google Shape;255;p33"/>
+          <p:cNvPr id="263" name="Google Shape;263;p34"/>
           <p:cNvPicPr preferRelativeResize="0"/>
           <p:nvPr/>
         </p:nvPicPr>
@@ -28376,7 +28803,7 @@
       </p:pic>
       <p:pic>
         <p:nvPicPr>
-          <p:cNvPr id="256" name="Google Shape;256;p33"/>
+          <p:cNvPr id="264" name="Google Shape;264;p34"/>
           <p:cNvPicPr preferRelativeResize="0"/>
           <p:nvPr/>
         </p:nvPicPr>
@@ -28404,7 +28831,7 @@
       </p:pic>
       <p:sp>
         <p:nvSpPr>
-          <p:cNvPr id="257" name="Google Shape;257;p33"/>
+          <p:cNvPr id="265" name="Google Shape;265;p34"/>
           <p:cNvSpPr txBox="1"/>
           <p:nvPr/>
         </p:nvSpPr>
@@ -28462,12 +28889,12 @@
 </p:sld>
 </file>
 
-<file path=ppt/slides/slide6.xml><?xml version="1.0" encoding="utf-8"?>
+<file path=ppt/slides/slide7.xml><?xml version="1.0" encoding="utf-8"?>
 <p:sld xmlns:a="http://schemas.openxmlformats.org/drawingml/2006/main" xmlns:r="http://schemas.openxmlformats.org/officeDocument/2006/relationships" xmlns:mc="http://schemas.openxmlformats.org/markup-compatibility/2006" xmlns:mv="urn:schemas-microsoft-com:mac:vml" xmlns:p="http://schemas.openxmlformats.org/presentationml/2006/main" xmlns:c="http://schemas.openxmlformats.org/drawingml/2006/chart" xmlns:dgm="http://schemas.openxmlformats.org/drawingml/2006/diagram" xmlns:o="urn:schemas-microsoft-com:office:office" xmlns:v="urn:schemas-microsoft-com:vml" xmlns:pvml="urn:schemas-microsoft-com:office:powerpoint" xmlns:com="http://schemas.openxmlformats.org/drawingml/2006/compatibility" xmlns:p14="http://schemas.microsoft.com/office/powerpoint/2010/main" xmlns:p15="http://schemas.microsoft.com/office/powerpoint/2012/main">
   <p:cSld>
     <p:spTree>
       <p:nvGrpSpPr>
-        <p:cNvPr id="262" name="Shape 262"/>
+        <p:cNvPr id="270" name="Shape 270"/>
         <p:cNvGrpSpPr/>
         <p:nvPr/>
       </p:nvGrpSpPr>
@@ -28481,7 +28908,7 @@
       </p:grpSpPr>
       <p:sp>
         <p:nvSpPr>
-          <p:cNvPr id="263" name="Google Shape;263;p34"/>
+          <p:cNvPr id="271" name="Google Shape;271;p35"/>
           <p:cNvSpPr txBox="1"/>
           <p:nvPr>
             <p:ph type="title"/>
@@ -28525,7 +28952,7 @@
       </p:sp>
       <p:sp>
         <p:nvSpPr>
-          <p:cNvPr id="264" name="Google Shape;264;p34"/>
+          <p:cNvPr id="272" name="Google Shape;272;p35"/>
           <p:cNvSpPr txBox="1"/>
           <p:nvPr>
             <p:ph idx="1" type="body"/>
@@ -28652,7 +29079,7 @@
       </p:sp>
       <p:pic>
         <p:nvPicPr>
-          <p:cNvPr id="265" name="Google Shape;265;p34"/>
+          <p:cNvPr id="273" name="Google Shape;273;p35"/>
           <p:cNvPicPr preferRelativeResize="0"/>
           <p:nvPr/>
         </p:nvPicPr>
@@ -28680,7 +29107,7 @@
       </p:pic>
       <p:pic>
         <p:nvPicPr>
-          <p:cNvPr id="266" name="Google Shape;266;p34"/>
+          <p:cNvPr id="274" name="Google Shape;274;p35"/>
           <p:cNvPicPr preferRelativeResize="0"/>
           <p:nvPr/>
         </p:nvPicPr>
@@ -28708,7 +29135,7 @@
       </p:pic>
       <p:pic>
         <p:nvPicPr>
-          <p:cNvPr id="267" name="Google Shape;267;p34"/>
+          <p:cNvPr id="275" name="Google Shape;275;p35"/>
           <p:cNvPicPr preferRelativeResize="0"/>
           <p:nvPr/>
         </p:nvPicPr>
@@ -28724,177 +29151,6 @@
           <a:xfrm>
             <a:off x="1898813" y="5048900"/>
             <a:ext cx="9324975" cy="495300"/>
-          </a:xfrm>
-          <a:prstGeom prst="rect">
-            <a:avLst/>
-          </a:prstGeom>
-          <a:noFill/>
-          <a:ln>
-            <a:noFill/>
-          </a:ln>
-        </p:spPr>
-      </p:pic>
-    </p:spTree>
-  </p:cSld>
-  <p:clrMapOvr>
-    <a:masterClrMapping/>
-  </p:clrMapOvr>
-</p:sld>
-</file>
-
-<file path=ppt/slides/slide7.xml><?xml version="1.0" encoding="utf-8"?>
-<p:sld xmlns:a="http://schemas.openxmlformats.org/drawingml/2006/main" xmlns:r="http://schemas.openxmlformats.org/officeDocument/2006/relationships" xmlns:mc="http://schemas.openxmlformats.org/markup-compatibility/2006" xmlns:mv="urn:schemas-microsoft-com:mac:vml" xmlns:p="http://schemas.openxmlformats.org/presentationml/2006/main" xmlns:c="http://schemas.openxmlformats.org/drawingml/2006/chart" xmlns:dgm="http://schemas.openxmlformats.org/drawingml/2006/diagram" xmlns:o="urn:schemas-microsoft-com:office:office" xmlns:v="urn:schemas-microsoft-com:vml" xmlns:pvml="urn:schemas-microsoft-com:office:powerpoint" xmlns:com="http://schemas.openxmlformats.org/drawingml/2006/compatibility" xmlns:p14="http://schemas.microsoft.com/office/powerpoint/2010/main" xmlns:p15="http://schemas.microsoft.com/office/powerpoint/2012/main">
-  <p:cSld>
-    <p:spTree>
-      <p:nvGrpSpPr>
-        <p:cNvPr id="272" name="Shape 272"/>
-        <p:cNvGrpSpPr/>
-        <p:nvPr/>
-      </p:nvGrpSpPr>
-      <p:grpSpPr>
-        <a:xfrm>
-          <a:off x="0" y="0"/>
-          <a:ext cx="0" cy="0"/>
-          <a:chOff x="0" y="0"/>
-          <a:chExt cx="0" cy="0"/>
-        </a:xfrm>
-      </p:grpSpPr>
-      <p:sp>
-        <p:nvSpPr>
-          <p:cNvPr id="273" name="Google Shape;273;p35"/>
-          <p:cNvSpPr txBox="1"/>
-          <p:nvPr>
-            <p:ph type="title"/>
-          </p:nvPr>
-        </p:nvSpPr>
-        <p:spPr>
-          <a:xfrm>
-            <a:off x="1219200" y="274638"/>
-            <a:ext cx="10363200" cy="1143000"/>
-          </a:xfrm>
-          <a:prstGeom prst="rect">
-            <a:avLst/>
-          </a:prstGeom>
-        </p:spPr>
-        <p:txBody>
-          <a:bodyPr anchorCtr="0" anchor="b" bIns="91425" lIns="91425" spcFirstLastPara="1" rIns="91425" wrap="square" tIns="45700">
-            <a:noAutofit/>
-          </a:bodyPr>
-          <a:lstStyle/>
-          <a:p>
-            <a:pPr indent="0" lvl="0" marL="0" rtl="0" algn="l">
-              <a:spcBef>
-                <a:spcPts val="0"/>
-              </a:spcBef>
-              <a:spcAft>
-                <a:spcPts val="0"/>
-              </a:spcAft>
-              <a:buNone/>
-            </a:pPr>
-            <a:r>
-              <a:rPr lang="en-US"/>
-              <a:t>Parameters Update</a:t>
-            </a:r>
-            <a:endParaRPr/>
-          </a:p>
-        </p:txBody>
-      </p:sp>
-      <p:sp>
-        <p:nvSpPr>
-          <p:cNvPr id="274" name="Google Shape;274;p35"/>
-          <p:cNvSpPr txBox="1"/>
-          <p:nvPr>
-            <p:ph idx="1" type="body"/>
-          </p:nvPr>
-        </p:nvSpPr>
-        <p:spPr>
-          <a:xfrm>
-            <a:off x="1219200" y="1447800"/>
-            <a:ext cx="10363200" cy="4572000"/>
-          </a:xfrm>
-          <a:prstGeom prst="rect">
-            <a:avLst/>
-          </a:prstGeom>
-        </p:spPr>
-        <p:txBody>
-          <a:bodyPr anchorCtr="0" anchor="t" bIns="45700" lIns="91425" spcFirstLastPara="1" rIns="91425" wrap="square" tIns="45700">
-            <a:noAutofit/>
-          </a:bodyPr>
-          <a:lstStyle/>
-          <a:p>
-            <a:pPr indent="-368935" lvl="0" marL="457200" rtl="0" algn="l">
-              <a:spcBef>
-                <a:spcPts val="580"/>
-              </a:spcBef>
-              <a:spcAft>
-                <a:spcPts val="0"/>
-              </a:spcAft>
-              <a:buSzPts val="2210"/>
-              <a:buChar char="⚫"/>
-            </a:pPr>
-            <a:r>
-              <a:rPr lang="en-US"/>
-              <a:t>In train.py </a:t>
-            </a:r>
-            <a:r>
-              <a:rPr lang="en-US">
-                <a:solidFill>
-                  <a:srgbClr val="FF0000"/>
-                </a:solidFill>
-              </a:rPr>
-              <a:t>Line 45 ~ 46</a:t>
-            </a:r>
-            <a:endParaRPr>
-              <a:solidFill>
-                <a:srgbClr val="FF0000"/>
-              </a:solidFill>
-            </a:endParaRPr>
-          </a:p>
-          <a:p>
-            <a:pPr indent="-358140" lvl="1" marL="914400" rtl="0" algn="l">
-              <a:spcBef>
-                <a:spcPts val="0"/>
-              </a:spcBef>
-              <a:spcAft>
-                <a:spcPts val="0"/>
-              </a:spcAft>
-              <a:buSzPts val="2040"/>
-              <a:buChar char="⚫"/>
-            </a:pPr>
-            <a:r>
-              <a:rPr lang="en-US">
-                <a:solidFill>
-                  <a:srgbClr val="FF0000"/>
-                </a:solidFill>
-              </a:rPr>
-              <a:t>ResNet part parameters won’t update </a:t>
-            </a:r>
-            <a:r>
-              <a:rPr lang="en-US"/>
-              <a:t> </a:t>
-            </a:r>
-            <a:endParaRPr/>
-          </a:p>
-        </p:txBody>
-      </p:sp>
-      <p:pic>
-        <p:nvPicPr>
-          <p:cNvPr id="275" name="Google Shape;275;p35"/>
-          <p:cNvPicPr preferRelativeResize="0"/>
-          <p:nvPr/>
-        </p:nvPicPr>
-        <p:blipFill>
-          <a:blip r:embed="rId3">
-            <a:alphaModFix/>
-          </a:blip>
-          <a:stretch>
-            <a:fillRect/>
-          </a:stretch>
-        </p:blipFill>
-        <p:spPr>
-          <a:xfrm>
-            <a:off x="0" y="2781250"/>
-            <a:ext cx="12192002" cy="1295500"/>
           </a:xfrm>
           <a:prstGeom prst="rect">
             <a:avLst/>
@@ -28964,7 +29220,7 @@
             </a:pPr>
             <a:r>
               <a:rPr lang="en-US"/>
-              <a:t>Torchvision</a:t>
+              <a:t>Parameters Update</a:t>
             </a:r>
             <a:endParaRPr/>
           </a:p>
@@ -29005,13 +29261,21 @@
             </a:pPr>
             <a:r>
               <a:rPr lang="en-US"/>
-              <a:t>Pytorch official package </a:t>
+              <a:t>In train.py </a:t>
             </a:r>
             <a:r>
-              <a:rPr lang="en-US" sz="2400"/>
-              <a:t>consists of</a:t>
+              <a:rPr lang="en-US">
+                <a:solidFill>
+                  <a:srgbClr val="FF0000"/>
+                </a:solidFill>
+              </a:rPr>
+              <a:t>Line 45 ~ 46</a:t>
             </a:r>
-            <a:endParaRPr/>
+            <a:endParaRPr>
+              <a:solidFill>
+                <a:srgbClr val="FF0000"/>
+              </a:solidFill>
+            </a:endParaRPr>
           </a:p>
           <a:p>
             <a:pPr indent="-358140" lvl="1" marL="914400" rtl="0" algn="l">
@@ -29025,42 +29289,16 @@
               <a:buChar char="⚫"/>
             </a:pPr>
             <a:r>
-              <a:rPr lang="en-US"/>
-              <a:t>popular datasets </a:t>
+              <a:rPr lang="en-US">
+                <a:solidFill>
+                  <a:srgbClr val="FF0000"/>
+                </a:solidFill>
+              </a:rPr>
+              <a:t>ResNet part parameters won’t update </a:t>
             </a:r>
-            <a:endParaRPr/>
-          </a:p>
-          <a:p>
-            <a:pPr indent="-358140" lvl="1" marL="914400" rtl="0" algn="l">
-              <a:spcBef>
-                <a:spcPts val="0"/>
-              </a:spcBef>
-              <a:spcAft>
-                <a:spcPts val="0"/>
-              </a:spcAft>
-              <a:buSzPts val="2040"/>
-              <a:buChar char="⚫"/>
-            </a:pPr>
             <a:r>
               <a:rPr lang="en-US"/>
-              <a:t>model architectures</a:t>
-            </a:r>
-            <a:endParaRPr/>
-          </a:p>
-          <a:p>
-            <a:pPr indent="-358140" lvl="1" marL="914400" rtl="0" algn="l">
-              <a:spcBef>
-                <a:spcPts val="0"/>
-              </a:spcBef>
-              <a:spcAft>
-                <a:spcPts val="0"/>
-              </a:spcAft>
-              <a:buSzPts val="2040"/>
-              <a:buChar char="⚫"/>
-            </a:pPr>
-            <a:r>
-              <a:rPr lang="en-US"/>
-              <a:t>common image transformations for computer vision.</a:t>
+              <a:t> </a:t>
             </a:r>
             <a:endParaRPr/>
           </a:p>
@@ -29082,8 +29320,8 @@
         </p:blipFill>
         <p:spPr>
           <a:xfrm>
-            <a:off x="4026875" y="3130775"/>
-            <a:ext cx="8080077" cy="3727225"/>
+            <a:off x="0" y="2781250"/>
+            <a:ext cx="12192002" cy="1295500"/>
           </a:xfrm>
           <a:prstGeom prst="rect">
             <a:avLst/>
@@ -29153,7 +29391,7 @@
             </a:pPr>
             <a:r>
               <a:rPr lang="en-US"/>
-              <a:t>Decoder</a:t>
+              <a:t>Torchvision</a:t>
             </a:r>
             <a:endParaRPr/>
           </a:p>
@@ -29194,7 +29432,11 @@
             </a:pPr>
             <a:r>
               <a:rPr lang="en-US"/>
-              <a:t>Noticed that you will use your model in model.py line 34</a:t>
+              <a:t>Pytorch official package </a:t>
+            </a:r>
+            <a:r>
+              <a:rPr lang="en-US" sz="2400"/>
+              <a:t>consists of</a:t>
             </a:r>
             <a:endParaRPr/>
           </a:p>
@@ -29211,7 +29453,41 @@
             </a:pPr>
             <a:r>
               <a:rPr lang="en-US"/>
-              <a:t>You can use nn.LSTM to check your environment is OK or not</a:t>
+              <a:t>popular datasets </a:t>
+            </a:r>
+            <a:endParaRPr/>
+          </a:p>
+          <a:p>
+            <a:pPr indent="-358140" lvl="1" marL="914400" rtl="0" algn="l">
+              <a:spcBef>
+                <a:spcPts val="0"/>
+              </a:spcBef>
+              <a:spcAft>
+                <a:spcPts val="0"/>
+              </a:spcAft>
+              <a:buSzPts val="2040"/>
+              <a:buChar char="⚫"/>
+            </a:pPr>
+            <a:r>
+              <a:rPr lang="en-US"/>
+              <a:t>model architectures</a:t>
+            </a:r>
+            <a:endParaRPr/>
+          </a:p>
+          <a:p>
+            <a:pPr indent="-358140" lvl="1" marL="914400" rtl="0" algn="l">
+              <a:spcBef>
+                <a:spcPts val="0"/>
+              </a:spcBef>
+              <a:spcAft>
+                <a:spcPts val="0"/>
+              </a:spcAft>
+              <a:buSzPts val="2040"/>
+              <a:buChar char="⚫"/>
+            </a:pPr>
+            <a:r>
+              <a:rPr lang="en-US"/>
+              <a:t>common image transformations for computer vision.</a:t>
             </a:r>
             <a:endParaRPr/>
           </a:p>
@@ -29233,8 +29509,8 @@
         </p:blipFill>
         <p:spPr>
           <a:xfrm>
-            <a:off x="1071563" y="2855050"/>
-            <a:ext cx="10048875" cy="3295650"/>
+            <a:off x="4026875" y="3130775"/>
+            <a:ext cx="8080077" cy="3727225"/>
           </a:xfrm>
           <a:prstGeom prst="rect">
             <a:avLst/>
